--- a/files/Outline.pptx
+++ b/files/Outline.pptx
@@ -135,6 +135,33 @@
 <file path=ppt/changesInfos/changesInfo1.xml><?xml version="1.0" encoding="utf-8"?>
 <pc:chgInfo xmlns:a="http://schemas.openxmlformats.org/drawingml/2006/main" xmlns:r="http://schemas.openxmlformats.org/officeDocument/2006/relationships" xmlns:ac="http://schemas.microsoft.com/office/drawing/2013/main/command" xmlns:pc="http://schemas.microsoft.com/office/powerpoint/2013/main/command">
   <pc:docChgLst>
+    <pc:chgData name="Patrick El-Azem" userId="S::paelaz@microsoft.com::b995e2c1-f7d9-41c8-a865-c5a7213150b8" providerId="AD" clId="Web-{43247B98-54FC-2BDB-AF6B-1DEA2893D9D3}"/>
+    <pc:docChg chg="modSld">
+      <pc:chgData name="Patrick El-Azem" userId="S::paelaz@microsoft.com::b995e2c1-f7d9-41c8-a865-c5a7213150b8" providerId="AD" clId="Web-{43247B98-54FC-2BDB-AF6B-1DEA2893D9D3}" dt="2018-09-26T19:04:54.621" v="13" actId="20577"/>
+      <pc:docMkLst>
+        <pc:docMk/>
+      </pc:docMkLst>
+    </pc:docChg>
+  </pc:docChgLst>
+  <pc:docChgLst>
+    <pc:chgData name="Patrick El-Azem" userId="S::paelaz@microsoft.com::b995e2c1-f7d9-41c8-a865-c5a7213150b8" providerId="AD" clId="Web-{3B975DF0-3C54-436E-ACE1-81AF2A92E1AC}"/>
+    <pc:docChg chg="modSld">
+      <pc:chgData name="Patrick El-Azem" userId="S::paelaz@microsoft.com::b995e2c1-f7d9-41c8-a865-c5a7213150b8" providerId="AD" clId="Web-{3B975DF0-3C54-436E-ACE1-81AF2A92E1AC}" dt="2018-09-26T18:52:46.359" v="31" actId="20577"/>
+      <pc:docMkLst>
+        <pc:docMk/>
+      </pc:docMkLst>
+    </pc:docChg>
+  </pc:docChgLst>
+  <pc:docChgLst>
+    <pc:chgData name="Patrick El-Azem" userId="S::paelaz@microsoft.com::b995e2c1-f7d9-41c8-a865-c5a7213150b8" providerId="AD" clId="Web-{BC9739A7-C7B6-4DA4-A6EA-DA92AC9FFD96}"/>
+    <pc:docChg chg="modSld">
+      <pc:chgData name="Patrick El-Azem" userId="S::paelaz@microsoft.com::b995e2c1-f7d9-41c8-a865-c5a7213150b8" providerId="AD" clId="Web-{BC9739A7-C7B6-4DA4-A6EA-DA92AC9FFD96}" dt="2018-09-26T18:52:03.719" v="1" actId="20577"/>
+      <pc:docMkLst>
+        <pc:docMk/>
+      </pc:docMkLst>
+    </pc:docChg>
+  </pc:docChgLst>
+  <pc:docChgLst>
     <pc:chgData name="Patrick El-Azem" userId="b995e2c1-f7d9-41c8-a865-c5a7213150b8" providerId="ADAL" clId="{547AE2B8-D3D6-4DBF-8397-D407EB32458F}"/>
     <pc:docChg chg="custSel delSld modSld modSection">
       <pc:chgData name="Patrick El-Azem" userId="b995e2c1-f7d9-41c8-a865-c5a7213150b8" providerId="ADAL" clId="{547AE2B8-D3D6-4DBF-8397-D407EB32458F}" dt="2018-10-01T21:29:23.974" v="12" actId="27636"/>
@@ -235,33 +262,6 @@
       </pc:sldChg>
     </pc:docChg>
   </pc:docChgLst>
-  <pc:docChgLst>
-    <pc:chgData name="Patrick El-Azem" userId="S::paelaz@microsoft.com::b995e2c1-f7d9-41c8-a865-c5a7213150b8" providerId="AD" clId="Web-{BC9739A7-C7B6-4DA4-A6EA-DA92AC9FFD96}"/>
-    <pc:docChg chg="modSld">
-      <pc:chgData name="Patrick El-Azem" userId="S::paelaz@microsoft.com::b995e2c1-f7d9-41c8-a865-c5a7213150b8" providerId="AD" clId="Web-{BC9739A7-C7B6-4DA4-A6EA-DA92AC9FFD96}" dt="2018-09-26T18:52:03.719" v="1" actId="20577"/>
-      <pc:docMkLst>
-        <pc:docMk/>
-      </pc:docMkLst>
-    </pc:docChg>
-  </pc:docChgLst>
-  <pc:docChgLst>
-    <pc:chgData name="Patrick El-Azem" userId="S::paelaz@microsoft.com::b995e2c1-f7d9-41c8-a865-c5a7213150b8" providerId="AD" clId="Web-{43247B98-54FC-2BDB-AF6B-1DEA2893D9D3}"/>
-    <pc:docChg chg="modSld">
-      <pc:chgData name="Patrick El-Azem" userId="S::paelaz@microsoft.com::b995e2c1-f7d9-41c8-a865-c5a7213150b8" providerId="AD" clId="Web-{43247B98-54FC-2BDB-AF6B-1DEA2893D9D3}" dt="2018-09-26T19:04:54.621" v="13" actId="20577"/>
-      <pc:docMkLst>
-        <pc:docMk/>
-      </pc:docMkLst>
-    </pc:docChg>
-  </pc:docChgLst>
-  <pc:docChgLst>
-    <pc:chgData name="Patrick El-Azem" userId="S::paelaz@microsoft.com::b995e2c1-f7d9-41c8-a865-c5a7213150b8" providerId="AD" clId="Web-{3B975DF0-3C54-436E-ACE1-81AF2A92E1AC}"/>
-    <pc:docChg chg="modSld">
-      <pc:chgData name="Patrick El-Azem" userId="S::paelaz@microsoft.com::b995e2c1-f7d9-41c8-a865-c5a7213150b8" providerId="AD" clId="Web-{3B975DF0-3C54-436E-ACE1-81AF2A92E1AC}" dt="2018-09-26T18:52:46.359" v="31" actId="20577"/>
-      <pc:docMkLst>
-        <pc:docMk/>
-      </pc:docMkLst>
-    </pc:docChg>
-  </pc:docChgLst>
 </pc:chgInfo>
 </file>
 
@@ -412,7 +412,7 @@
           <a:p>
             <a:fld id="{AF0A90EE-E167-4D6F-9433-F11A42BA3D5A}" type="datetimeFigureOut">
               <a:rPr lang="en-US" smtClean="0"/>
-              <a:t>10/1/2018</a:t>
+              <a:t>1/24/2019</a:t>
             </a:fld>
             <a:endParaRPr lang="en-US"/>
           </a:p>
@@ -610,7 +610,7 @@
           <a:p>
             <a:fld id="{AF0A90EE-E167-4D6F-9433-F11A42BA3D5A}" type="datetimeFigureOut">
               <a:rPr lang="en-US" smtClean="0"/>
-              <a:t>10/1/2018</a:t>
+              <a:t>1/24/2019</a:t>
             </a:fld>
             <a:endParaRPr lang="en-US"/>
           </a:p>
@@ -818,7 +818,7 @@
           <a:p>
             <a:fld id="{AF0A90EE-E167-4D6F-9433-F11A42BA3D5A}" type="datetimeFigureOut">
               <a:rPr lang="en-US" smtClean="0"/>
-              <a:t>10/1/2018</a:t>
+              <a:t>1/24/2019</a:t>
             </a:fld>
             <a:endParaRPr lang="en-US"/>
           </a:p>
@@ -1016,7 +1016,7 @@
           <a:p>
             <a:fld id="{AF0A90EE-E167-4D6F-9433-F11A42BA3D5A}" type="datetimeFigureOut">
               <a:rPr lang="en-US" smtClean="0"/>
-              <a:t>10/1/2018</a:t>
+              <a:t>1/24/2019</a:t>
             </a:fld>
             <a:endParaRPr lang="en-US"/>
           </a:p>
@@ -1291,7 +1291,7 @@
           <a:p>
             <a:fld id="{AF0A90EE-E167-4D6F-9433-F11A42BA3D5A}" type="datetimeFigureOut">
               <a:rPr lang="en-US" smtClean="0"/>
-              <a:t>10/1/2018</a:t>
+              <a:t>1/24/2019</a:t>
             </a:fld>
             <a:endParaRPr lang="en-US"/>
           </a:p>
@@ -1556,7 +1556,7 @@
           <a:p>
             <a:fld id="{AF0A90EE-E167-4D6F-9433-F11A42BA3D5A}" type="datetimeFigureOut">
               <a:rPr lang="en-US" smtClean="0"/>
-              <a:t>10/1/2018</a:t>
+              <a:t>1/24/2019</a:t>
             </a:fld>
             <a:endParaRPr lang="en-US"/>
           </a:p>
@@ -1968,7 +1968,7 @@
           <a:p>
             <a:fld id="{AF0A90EE-E167-4D6F-9433-F11A42BA3D5A}" type="datetimeFigureOut">
               <a:rPr lang="en-US" smtClean="0"/>
-              <a:t>10/1/2018</a:t>
+              <a:t>1/24/2019</a:t>
             </a:fld>
             <a:endParaRPr lang="en-US"/>
           </a:p>
@@ -2109,7 +2109,7 @@
           <a:p>
             <a:fld id="{AF0A90EE-E167-4D6F-9433-F11A42BA3D5A}" type="datetimeFigureOut">
               <a:rPr lang="en-US" smtClean="0"/>
-              <a:t>10/1/2018</a:t>
+              <a:t>1/24/2019</a:t>
             </a:fld>
             <a:endParaRPr lang="en-US"/>
           </a:p>
@@ -2222,7 +2222,7 @@
           <a:p>
             <a:fld id="{AF0A90EE-E167-4D6F-9433-F11A42BA3D5A}" type="datetimeFigureOut">
               <a:rPr lang="en-US" smtClean="0"/>
-              <a:t>10/1/2018</a:t>
+              <a:t>1/24/2019</a:t>
             </a:fld>
             <a:endParaRPr lang="en-US"/>
           </a:p>
@@ -2533,7 +2533,7 @@
           <a:p>
             <a:fld id="{AF0A90EE-E167-4D6F-9433-F11A42BA3D5A}" type="datetimeFigureOut">
               <a:rPr lang="en-US" smtClean="0"/>
-              <a:t>10/1/2018</a:t>
+              <a:t>1/24/2019</a:t>
             </a:fld>
             <a:endParaRPr lang="en-US"/>
           </a:p>
@@ -2821,7 +2821,7 @@
           <a:p>
             <a:fld id="{AF0A90EE-E167-4D6F-9433-F11A42BA3D5A}" type="datetimeFigureOut">
               <a:rPr lang="en-US" smtClean="0"/>
-              <a:t>10/1/2018</a:t>
+              <a:t>1/24/2019</a:t>
             </a:fld>
             <a:endParaRPr lang="en-US"/>
           </a:p>
@@ -3062,7 +3062,7 @@
           <a:p>
             <a:fld id="{AF0A90EE-E167-4D6F-9433-F11A42BA3D5A}" type="datetimeFigureOut">
               <a:rPr lang="en-US" smtClean="0"/>
-              <a:t>10/1/2018</a:t>
+              <a:t>1/24/2019</a:t>
             </a:fld>
             <a:endParaRPr lang="en-US"/>
           </a:p>
@@ -3548,59 +3548,47 @@
           <a:p>
             <a:pPr lvl="1"/>
             <a:r>
-              <a:rPr lang="en-US"/>
-              <a:t>At </a:t>
-            </a:r>
-            <a:r>
               <a:rPr lang="en-US" dirty="0"/>
-              <a:t>each stage/functional point, discuss 1P/3P alternatives</a:t>
+              <a:t>At each stage/functional point, discuss 1P/3P alternatives</a:t>
             </a:r>
           </a:p>
           <a:p>
             <a:r>
               <a:rPr lang="en-US" dirty="0"/>
-              <a:t>¾ Hands-On Labs</a:t>
+              <a:t>¾ Hands-On Labs (HOLs)</a:t>
             </a:r>
           </a:p>
           <a:p>
             <a:pPr lvl="1"/>
             <a:r>
               <a:rPr lang="en-US" dirty="0"/>
-              <a:t>Overall goal: build a modern data warehouse with hot and cold paths; hot path includes data scoring (e.g. anomaly detection). Build analytic and real-time dashboards.</a:t>
+              <a:t>Overall goal: build a modern data warehouse with hot and cold paths; hot path includes data analysis/enrichment. Build analytic and real-time dashboards.</a:t>
             </a:r>
           </a:p>
           <a:p>
             <a:pPr lvl="1"/>
             <a:r>
               <a:rPr lang="en-US" dirty="0"/>
-              <a:t>See HOL template</a:t>
+              <a:t>HOL Format: Guided/step by step, not sparse/</a:t>
+            </a:r>
+            <a:r>
+              <a:rPr lang="en-US"/>
+              <a:t>hack.</a:t>
             </a:r>
           </a:p>
           <a:p>
             <a:pPr lvl="1"/>
             <a:r>
+              <a:rPr lang="en-US"/>
+              <a:t>HOLs </a:t>
+            </a:r>
+            <a:r>
               <a:rPr lang="en-US" dirty="0"/>
-              <a:t>Each HOL: &lt;= 60 minutes, modules each 10-15 minutes</a:t>
-            </a:r>
-          </a:p>
-          <a:p>
-            <a:pPr lvl="1"/>
-            <a:r>
-              <a:rPr lang="en-US" dirty="0"/>
-              <a:t>More guided/step by step, less hack-style</a:t>
+              <a:t>build on each other.</a:t>
             </a:r>
             <a:endParaRPr lang="en-US" dirty="0">
               <a:cs typeface="Calibri"/>
             </a:endParaRPr>
-          </a:p>
-          <a:p>
-            <a:pPr lvl="1"/>
-            <a:r>
-              <a:rPr lang="en-US" dirty="0">
-                <a:cs typeface="Calibri"/>
-              </a:rPr>
-              <a:t>Also provide "solutions" (in addition to scripts etc.)</a:t>
-            </a:r>
           </a:p>
         </p:txBody>
       </p:sp>
@@ -3913,9 +3901,12 @@
 </file>
 
 <file path=customXml/item1.xml><?xml version="1.0" encoding="utf-8"?>
-<p:properties xmlns:p="http://schemas.microsoft.com/office/2006/metadata/properties" xmlns:xsi="http://www.w3.org/2001/XMLSchema-instance" xmlns:pc="http://schemas.microsoft.com/office/infopath/2007/PartnerControls">
-  <documentManagement/>
-</p:properties>
+<?mso-contentType ?>
+<FormTemplates xmlns="http://schemas.microsoft.com/sharepoint/v3/contenttype/forms">
+  <Display>DocumentLibraryForm</Display>
+  <Edit>DocumentLibraryForm</Edit>
+  <New>DocumentLibraryForm</New>
+</FormTemplates>
 </file>
 
 <file path=customXml/item2.xml><?xml version="1.0" encoding="utf-8"?>
@@ -4098,15 +4089,39 @@
 </file>
 
 <file path=customXml/item3.xml><?xml version="1.0" encoding="utf-8"?>
-<?mso-contentType ?>
-<FormTemplates xmlns="http://schemas.microsoft.com/sharepoint/v3/contenttype/forms">
-  <Display>DocumentLibraryForm</Display>
-  <Edit>DocumentLibraryForm</Edit>
-  <New>DocumentLibraryForm</New>
-</FormTemplates>
+<p:properties xmlns:p="http://schemas.microsoft.com/office/2006/metadata/properties" xmlns:xsi="http://www.w3.org/2001/XMLSchema-instance" xmlns:pc="http://schemas.microsoft.com/office/infopath/2007/PartnerControls">
+  <documentManagement/>
+</p:properties>
 </file>
 
 <file path=customXml/itemProps1.xml><?xml version="1.0" encoding="utf-8"?>
+<ds:datastoreItem xmlns:ds="http://schemas.openxmlformats.org/officeDocument/2006/customXml" ds:itemID="{20848D93-4198-4BD2-9020-A30A5A4CE982}">
+  <ds:schemaRefs>
+    <ds:schemaRef ds:uri="http://schemas.microsoft.com/sharepoint/v3/contenttype/forms"/>
+  </ds:schemaRefs>
+</ds:datastoreItem>
+</file>
+
+<file path=customXml/itemProps2.xml><?xml version="1.0" encoding="utf-8"?>
+<ds:datastoreItem xmlns:ds="http://schemas.openxmlformats.org/officeDocument/2006/customXml" ds:itemID="{9E2B47A9-9FEA-4354-8F2C-A0D896B438DE}">
+  <ds:schemaRefs>
+    <ds:schemaRef ds:uri="http://schemas.microsoft.com/office/2006/metadata/contentType"/>
+    <ds:schemaRef ds:uri="http://schemas.microsoft.com/office/2006/metadata/properties/metaAttributes"/>
+    <ds:schemaRef ds:uri="http://www.w3.org/2001/XMLSchema"/>
+    <ds:schemaRef ds:uri="http://schemas.microsoft.com/office/2006/metadata/properties"/>
+    <ds:schemaRef ds:uri="36984313-f623-41bb-a65c-16a37d29f6f8"/>
+    <ds:schemaRef ds:uri="fa40b356-8329-45cf-bdd1-8a6639dbec32"/>
+    <ds:schemaRef ds:uri="http://schemas.microsoft.com/office/2006/documentManagement/types"/>
+    <ds:schemaRef ds:uri="http://schemas.microsoft.com/office/infopath/2007/PartnerControls"/>
+    <ds:schemaRef ds:uri="http://schemas.openxmlformats.org/package/2006/metadata/core-properties"/>
+    <ds:schemaRef ds:uri="http://purl.org/dc/elements/1.1/"/>
+    <ds:schemaRef ds:uri="http://purl.org/dc/terms/"/>
+    <ds:schemaRef ds:uri="http://schemas.microsoft.com/internal/obd"/>
+  </ds:schemaRefs>
+</ds:datastoreItem>
+</file>
+
+<file path=customXml/itemProps3.xml><?xml version="1.0" encoding="utf-8"?>
 <ds:datastoreItem xmlns:ds="http://schemas.openxmlformats.org/officeDocument/2006/customXml" ds:itemID="{BB9C1326-3F9A-4626-9856-2680D3F9AEEA}">
   <ds:schemaRefs>
     <ds:schemaRef ds:uri="http://purl.org/dc/elements/1.1/"/>
@@ -4121,16 +4136,4 @@
     <ds:schemaRef ds:uri="http://www.w3.org/XML/1998/namespace"/>
   </ds:schemaRefs>
 </ds:datastoreItem>
-</file>
-
-<file path=customXml/itemProps2.xml><?xml version="1.0" encoding="utf-8"?>
-<ds:datastoreItem xmlns:ds="http://schemas.openxmlformats.org/officeDocument/2006/customXml" ds:itemID="{9E2B47A9-9FEA-4354-8F2C-A0D896B438DE}"/>
-</file>
-
-<file path=customXml/itemProps3.xml><?xml version="1.0" encoding="utf-8"?>
-<ds:datastoreItem xmlns:ds="http://schemas.openxmlformats.org/officeDocument/2006/customXml" ds:itemID="{20848D93-4198-4BD2-9020-A30A5A4CE982}">
-  <ds:schemaRefs>
-    <ds:schemaRef ds:uri="http://schemas.microsoft.com/sharepoint/v3/contenttype/forms"/>
-  </ds:schemaRefs>
-</ds:datastoreItem>
 </file>